--- a/Lectures/KdfLite.pptx
+++ b/Lectures/KdfLite.pptx
@@ -263,7 +263,7 @@
           <a:p>
             <a:fld id="{CBA08D16-15DC-4E25-BDC3-F25146157B16}" type="datetimeFigureOut">
               <a:rPr lang="ru-RU" smtClean="0"/>
-              <a:t>07.04.2021</a:t>
+              <a:t>29.12.2021</a:t>
             </a:fld>
             <a:endParaRPr lang="ru-RU"/>
           </a:p>
@@ -662,7 +662,7 @@
           <a:p>
             <a:fld id="{FCEC8293-DB51-454A-BE81-EC8FCB31EBA2}" type="datetime1">
               <a:rPr lang="ru-RU" smtClean="0"/>
-              <a:t>07.04.2021</a:t>
+              <a:t>29.12.2021</a:t>
             </a:fld>
             <a:endParaRPr lang="ru-RU"/>
           </a:p>
@@ -836,7 +836,7 @@
           <a:p>
             <a:fld id="{241C87B1-1C35-4DBD-BC18-2BC72E776603}" type="datetime1">
               <a:rPr lang="ru-RU" smtClean="0"/>
-              <a:t>07.04.2021</a:t>
+              <a:t>29.12.2021</a:t>
             </a:fld>
             <a:endParaRPr lang="ru-RU"/>
           </a:p>
@@ -1020,7 +1020,7 @@
           <a:p>
             <a:fld id="{3134C275-26C0-42CD-9111-9ADE65922AF9}" type="datetime1">
               <a:rPr lang="ru-RU" smtClean="0"/>
-              <a:t>07.04.2021</a:t>
+              <a:t>29.12.2021</a:t>
             </a:fld>
             <a:endParaRPr lang="ru-RU"/>
           </a:p>
@@ -1194,7 +1194,7 @@
           <a:p>
             <a:fld id="{C1A9A50B-C350-45F5-8AAB-ADB9E670AF2E}" type="datetime1">
               <a:rPr lang="ru-RU" smtClean="0"/>
-              <a:t>07.04.2021</a:t>
+              <a:t>29.12.2021</a:t>
             </a:fld>
             <a:endParaRPr lang="ru-RU"/>
           </a:p>
@@ -1444,7 +1444,7 @@
           <a:p>
             <a:fld id="{089688C9-348F-42F9-B6C0-5990DDE0C5B2}" type="datetime1">
               <a:rPr lang="ru-RU" smtClean="0"/>
-              <a:t>07.04.2021</a:t>
+              <a:t>29.12.2021</a:t>
             </a:fld>
             <a:endParaRPr lang="ru-RU"/>
           </a:p>
@@ -1680,7 +1680,7 @@
           <a:p>
             <a:fld id="{684AFD8F-6DD9-4AD3-A505-FDC3F5C5F3F6}" type="datetime1">
               <a:rPr lang="ru-RU" smtClean="0"/>
-              <a:t>07.04.2021</a:t>
+              <a:t>29.12.2021</a:t>
             </a:fld>
             <a:endParaRPr lang="ru-RU"/>
           </a:p>
@@ -2051,7 +2051,7 @@
           <a:p>
             <a:fld id="{63551EFE-4D02-45EB-A747-8B6F047B5AA0}" type="datetime1">
               <a:rPr lang="ru-RU" smtClean="0"/>
-              <a:t>07.04.2021</a:t>
+              <a:t>29.12.2021</a:t>
             </a:fld>
             <a:endParaRPr lang="ru-RU"/>
           </a:p>
@@ -2173,7 +2173,7 @@
           <a:p>
             <a:fld id="{813A9F34-E5CD-4B8F-AA9E-889C84372B20}" type="datetime1">
               <a:rPr lang="ru-RU" smtClean="0"/>
-              <a:t>07.04.2021</a:t>
+              <a:t>29.12.2021</a:t>
             </a:fld>
             <a:endParaRPr lang="ru-RU"/>
           </a:p>
@@ -2272,7 +2272,7 @@
           <a:p>
             <a:fld id="{51224D22-9B29-44A6-8E82-95FC492DEDC1}" type="datetime1">
               <a:rPr lang="ru-RU" smtClean="0"/>
-              <a:t>07.04.2021</a:t>
+              <a:t>29.12.2021</a:t>
             </a:fld>
             <a:endParaRPr lang="ru-RU"/>
           </a:p>
@@ -2553,7 +2553,7 @@
           <a:p>
             <a:fld id="{91D1034F-4441-48A1-BDC0-25EA1022324A}" type="datetime1">
               <a:rPr lang="ru-RU" smtClean="0"/>
-              <a:t>07.04.2021</a:t>
+              <a:t>29.12.2021</a:t>
             </a:fld>
             <a:endParaRPr lang="ru-RU"/>
           </a:p>
@@ -2810,7 +2810,7 @@
           <a:p>
             <a:fld id="{B0FFDE79-B627-473B-AE17-4C65BD2495F7}" type="datetime1">
               <a:rPr lang="ru-RU" smtClean="0"/>
-              <a:t>07.04.2021</a:t>
+              <a:t>29.12.2021</a:t>
             </a:fld>
             <a:endParaRPr lang="ru-RU"/>
           </a:p>
@@ -3027,7 +3027,7 @@
           <a:p>
             <a:fld id="{11CA537A-1B8C-47BA-9BA6-7CE3FAFDA8BE}" type="datetime1">
               <a:rPr lang="ru-RU" smtClean="0"/>
-              <a:t>07.04.2021</a:t>
+              <a:t>29.12.2021</a:t>
             </a:fld>
             <a:endParaRPr lang="ru-RU"/>
           </a:p>
@@ -4131,7 +4131,19 @@
           <a:p>
             <a:r>
               <a:rPr lang="ru-RU" dirty="0" smtClean="0"/>
-              <a:t>Полученные ключи могут быть уязвимы к перебору пол словарю исходного материала</a:t>
+              <a:t>Полученные ключи могут быть уязвимы к </a:t>
+            </a:r>
+            <a:r>
+              <a:rPr lang="ru-RU" smtClean="0"/>
+              <a:t>перебору </a:t>
+            </a:r>
+            <a:r>
+              <a:rPr lang="ru-RU" smtClean="0"/>
+              <a:t>по </a:t>
+            </a:r>
+            <a:r>
+              <a:rPr lang="ru-RU" dirty="0" smtClean="0"/>
+              <a:t>словарю исходного материала</a:t>
             </a:r>
             <a:endParaRPr lang="en-US" dirty="0" smtClean="0"/>
           </a:p>
@@ -4334,8 +4346,8 @@
           </a:p>
         </p:txBody>
       </p:sp>
-      <mc:AlternateContent xmlns:mc="http://schemas.openxmlformats.org/markup-compatibility/2006">
-        <mc:Choice xmlns:a14="http://schemas.microsoft.com/office/drawing/2010/main" Requires="a14">
+      <mc:AlternateContent xmlns:mc="http://schemas.openxmlformats.org/markup-compatibility/2006" xmlns:a14="http://schemas.microsoft.com/office/drawing/2010/main">
+        <mc:Choice Requires="a14">
           <p:sp>
             <p:nvSpPr>
               <p:cNvPr id="3" name="Объект 2"/>
@@ -4984,7 +4996,7 @@
             </p:txBody>
           </p:sp>
         </mc:Choice>
-        <mc:Fallback>
+        <mc:Fallback xmlns="">
           <p:sp>
             <p:nvSpPr>
               <p:cNvPr id="3" name="Объект 2"/>
